--- a/papers/RSS2016/pictures/Leaf.pptx
+++ b/papers/RSS2016/pictures/Leaf.pptx
@@ -288,7 +288,7 @@
           <a:p>
             <a:fld id="{FC8E3DB2-18E1-8949-8B3F-3EEEC8A54E99}" type="datetimeFigureOut">
               <a:rPr lang="en-US" smtClean="0"/>
-              <a:t>9/14/15</a:t>
+              <a:t>1/28/16</a:t>
             </a:fld>
             <a:endParaRPr lang="en-US"/>
           </a:p>
@@ -458,7 +458,7 @@
           <a:p>
             <a:fld id="{FC8E3DB2-18E1-8949-8B3F-3EEEC8A54E99}" type="datetimeFigureOut">
               <a:rPr lang="en-US" smtClean="0"/>
-              <a:t>9/14/15</a:t>
+              <a:t>1/28/16</a:t>
             </a:fld>
             <a:endParaRPr lang="en-US"/>
           </a:p>
@@ -638,7 +638,7 @@
           <a:p>
             <a:fld id="{FC8E3DB2-18E1-8949-8B3F-3EEEC8A54E99}" type="datetimeFigureOut">
               <a:rPr lang="en-US" smtClean="0"/>
-              <a:t>9/14/15</a:t>
+              <a:t>1/28/16</a:t>
             </a:fld>
             <a:endParaRPr lang="en-US"/>
           </a:p>
@@ -808,7 +808,7 @@
           <a:p>
             <a:fld id="{FC8E3DB2-18E1-8949-8B3F-3EEEC8A54E99}" type="datetimeFigureOut">
               <a:rPr lang="en-US" smtClean="0"/>
-              <a:t>9/14/15</a:t>
+              <a:t>1/28/16</a:t>
             </a:fld>
             <a:endParaRPr lang="en-US"/>
           </a:p>
@@ -1054,7 +1054,7 @@
           <a:p>
             <a:fld id="{FC8E3DB2-18E1-8949-8B3F-3EEEC8A54E99}" type="datetimeFigureOut">
               <a:rPr lang="en-US" smtClean="0"/>
-              <a:t>9/14/15</a:t>
+              <a:t>1/28/16</a:t>
             </a:fld>
             <a:endParaRPr lang="en-US"/>
           </a:p>
@@ -1342,7 +1342,7 @@
           <a:p>
             <a:fld id="{FC8E3DB2-18E1-8949-8B3F-3EEEC8A54E99}" type="datetimeFigureOut">
               <a:rPr lang="en-US" smtClean="0"/>
-              <a:t>9/14/15</a:t>
+              <a:t>1/28/16</a:t>
             </a:fld>
             <a:endParaRPr lang="en-US"/>
           </a:p>
@@ -1764,7 +1764,7 @@
           <a:p>
             <a:fld id="{FC8E3DB2-18E1-8949-8B3F-3EEEC8A54E99}" type="datetimeFigureOut">
               <a:rPr lang="en-US" smtClean="0"/>
-              <a:t>9/14/15</a:t>
+              <a:t>1/28/16</a:t>
             </a:fld>
             <a:endParaRPr lang="en-US"/>
           </a:p>
@@ -1882,7 +1882,7 @@
           <a:p>
             <a:fld id="{FC8E3DB2-18E1-8949-8B3F-3EEEC8A54E99}" type="datetimeFigureOut">
               <a:rPr lang="en-US" smtClean="0"/>
-              <a:t>9/14/15</a:t>
+              <a:t>1/28/16</a:t>
             </a:fld>
             <a:endParaRPr lang="en-US"/>
           </a:p>
@@ -1977,7 +1977,7 @@
           <a:p>
             <a:fld id="{FC8E3DB2-18E1-8949-8B3F-3EEEC8A54E99}" type="datetimeFigureOut">
               <a:rPr lang="en-US" smtClean="0"/>
-              <a:t>9/14/15</a:t>
+              <a:t>1/28/16</a:t>
             </a:fld>
             <a:endParaRPr lang="en-US"/>
           </a:p>
@@ -2254,7 +2254,7 @@
           <a:p>
             <a:fld id="{FC8E3DB2-18E1-8949-8B3F-3EEEC8A54E99}" type="datetimeFigureOut">
               <a:rPr lang="en-US" smtClean="0"/>
-              <a:t>9/14/15</a:t>
+              <a:t>1/28/16</a:t>
             </a:fld>
             <a:endParaRPr lang="en-US"/>
           </a:p>
@@ -2507,7 +2507,7 @@
           <a:p>
             <a:fld id="{FC8E3DB2-18E1-8949-8B3F-3EEEC8A54E99}" type="datetimeFigureOut">
               <a:rPr lang="en-US" smtClean="0"/>
-              <a:t>9/14/15</a:t>
+              <a:t>1/28/16</a:t>
             </a:fld>
             <a:endParaRPr lang="en-US"/>
           </a:p>
@@ -2720,7 +2720,7 @@
           <a:p>
             <a:fld id="{FC8E3DB2-18E1-8949-8B3F-3EEEC8A54E99}" type="datetimeFigureOut">
               <a:rPr lang="en-US" smtClean="0"/>
-              <a:t>9/14/15</a:t>
+              <a:t>1/28/16</a:t>
             </a:fld>
             <a:endParaRPr lang="en-US"/>
           </a:p>
@@ -3103,7 +3103,7 @@
           </p:cNvPicPr>
           <p:nvPr/>
         </p:nvPicPr>
-        <p:blipFill>
+        <p:blipFill rotWithShape="1">
           <a:blip r:embed="rId2">
             <a:extLst>
               <a:ext uri="{28A0092B-C50C-407E-A947-70E740481C1C}">
@@ -3111,14 +3111,13 @@
               </a:ext>
             </a:extLst>
           </a:blip>
-          <a:stretch>
-            <a:fillRect/>
-          </a:stretch>
+          <a:srcRect t="33664" r="39721"/>
+          <a:stretch/>
         </p:blipFill>
         <p:spPr>
           <a:xfrm rot="5400000">
-            <a:off x="1203697" y="-1203697"/>
-            <a:ext cx="11377082" cy="13784477"/>
+            <a:off x="1143000" y="-1142999"/>
+            <a:ext cx="6857999" cy="9144000"/>
           </a:xfrm>
           <a:prstGeom prst="rect">
             <a:avLst/>
@@ -3140,13 +3139,12 @@
             <a:avLst/>
           </a:prstGeom>
           <a:solidFill>
-            <a:schemeClr val="accent3">
-              <a:lumMod val="60000"/>
-              <a:lumOff val="40000"/>
-            </a:schemeClr>
+            <a:srgbClr val="008000"/>
           </a:solidFill>
           <a:ln>
-            <a:noFill/>
+            <a:solidFill>
+              <a:srgbClr val="008000"/>
+            </a:solidFill>
           </a:ln>
         </p:spPr>
         <p:style>
@@ -3187,13 +3185,12 @@
             <a:avLst/>
           </a:prstGeom>
           <a:solidFill>
-            <a:schemeClr val="accent3">
-              <a:lumMod val="60000"/>
-              <a:lumOff val="40000"/>
-            </a:schemeClr>
+            <a:srgbClr val="008000"/>
           </a:solidFill>
           <a:ln>
-            <a:noFill/>
+            <a:solidFill>
+              <a:srgbClr val="008000"/>
+            </a:solidFill>
           </a:ln>
         </p:spPr>
         <p:style>
@@ -3234,13 +3231,12 @@
             <a:avLst/>
           </a:prstGeom>
           <a:solidFill>
-            <a:schemeClr val="accent3">
-              <a:lumMod val="60000"/>
-              <a:lumOff val="40000"/>
-            </a:schemeClr>
+            <a:srgbClr val="008000"/>
           </a:solidFill>
           <a:ln>
-            <a:noFill/>
+            <a:solidFill>
+              <a:srgbClr val="008000"/>
+            </a:solidFill>
           </a:ln>
         </p:spPr>
         <p:style>
@@ -3281,13 +3277,12 @@
             <a:avLst/>
           </a:prstGeom>
           <a:solidFill>
-            <a:schemeClr val="accent3">
-              <a:lumMod val="60000"/>
-              <a:lumOff val="40000"/>
-            </a:schemeClr>
+            <a:srgbClr val="008000"/>
           </a:solidFill>
           <a:ln>
-            <a:noFill/>
+            <a:solidFill>
+              <a:srgbClr val="008000"/>
+            </a:solidFill>
           </a:ln>
         </p:spPr>
         <p:style>
@@ -3328,7 +3323,7 @@
             <a:avLst/>
           </a:prstGeom>
           <a:solidFill>
-            <a:schemeClr val="accent6"/>
+            <a:srgbClr val="FF6600"/>
           </a:solidFill>
           <a:ln>
             <a:noFill/>
@@ -3372,7 +3367,7 @@
             <a:avLst/>
           </a:prstGeom>
           <a:solidFill>
-            <a:schemeClr val="accent6"/>
+            <a:srgbClr val="FF6600"/>
           </a:solidFill>
           <a:ln>
             <a:noFill/>
@@ -3416,7 +3411,7 @@
             <a:avLst/>
           </a:prstGeom>
           <a:solidFill>
-            <a:schemeClr val="accent6"/>
+            <a:srgbClr val="FF6600"/>
           </a:solidFill>
           <a:ln>
             <a:noFill/>
@@ -3460,7 +3455,7 @@
             <a:avLst/>
           </a:prstGeom>
           <a:solidFill>
-            <a:schemeClr val="accent6"/>
+            <a:srgbClr val="FF6600"/>
           </a:solidFill>
           <a:ln>
             <a:noFill/>
@@ -3673,7 +3668,7 @@
         </p:nvSpPr>
         <p:spPr>
           <a:xfrm>
-            <a:off x="2619922" y="3508584"/>
+            <a:off x="5998830" y="806260"/>
             <a:ext cx="223364" cy="168065"/>
           </a:xfrm>
           <a:prstGeom prst="ellipse">
@@ -3682,9 +3677,7 @@
           <a:noFill/>
           <a:ln w="38100" cmpd="sng">
             <a:solidFill>
-              <a:schemeClr val="accent6">
-                <a:lumMod val="75000"/>
-              </a:schemeClr>
+              <a:srgbClr val="FF6600"/>
             </a:solidFill>
           </a:ln>
         </p:spPr>
@@ -3719,7 +3712,7 @@
         </p:nvSpPr>
         <p:spPr>
           <a:xfrm>
-            <a:off x="2254583" y="3905343"/>
+            <a:off x="5547961" y="950922"/>
             <a:ext cx="223364" cy="168065"/>
           </a:xfrm>
           <a:prstGeom prst="ellipse">
@@ -3728,9 +3721,7 @@
           <a:noFill/>
           <a:ln w="38100" cmpd="sng">
             <a:solidFill>
-              <a:schemeClr val="accent6">
-                <a:lumMod val="75000"/>
-              </a:schemeClr>
+              <a:srgbClr val="FF6600"/>
             </a:solidFill>
           </a:ln>
         </p:spPr>
@@ -3765,7 +3756,7 @@
         </p:nvSpPr>
         <p:spPr>
           <a:xfrm>
-            <a:off x="2482088" y="3676649"/>
+            <a:off x="6200138" y="722228"/>
             <a:ext cx="223364" cy="168065"/>
           </a:xfrm>
           <a:prstGeom prst="ellipse">
@@ -3774,9 +3765,7 @@
           <a:noFill/>
           <a:ln w="38100" cmpd="sng">
             <a:solidFill>
-              <a:schemeClr val="accent6">
-                <a:lumMod val="75000"/>
-              </a:schemeClr>
+              <a:srgbClr val="FF6600"/>
             </a:solidFill>
           </a:ln>
         </p:spPr>
@@ -3811,7 +3800,7 @@
         </p:nvSpPr>
         <p:spPr>
           <a:xfrm>
-            <a:off x="2362987" y="3798396"/>
+            <a:off x="5725010" y="866889"/>
             <a:ext cx="223364" cy="168065"/>
           </a:xfrm>
           <a:prstGeom prst="ellipse">
@@ -3820,9 +3809,7 @@
           <a:noFill/>
           <a:ln w="38100" cmpd="sng">
             <a:solidFill>
-              <a:schemeClr val="accent6">
-                <a:lumMod val="75000"/>
-              </a:schemeClr>
+              <a:srgbClr val="FF6600"/>
             </a:solidFill>
           </a:ln>
         </p:spPr>
@@ -3857,7 +3844,7 @@
         </p:nvSpPr>
         <p:spPr>
           <a:xfrm>
-            <a:off x="8108854" y="3659064"/>
+            <a:off x="6555698" y="4514538"/>
             <a:ext cx="223364" cy="168065"/>
           </a:xfrm>
           <a:prstGeom prst="ellipse">
@@ -3901,7 +3888,7 @@
         </p:nvSpPr>
         <p:spPr>
           <a:xfrm>
-            <a:off x="7662126" y="4016144"/>
+            <a:off x="6108970" y="4092474"/>
             <a:ext cx="223364" cy="168065"/>
           </a:xfrm>
           <a:prstGeom prst="ellipse">
@@ -3945,7 +3932,7 @@
         </p:nvSpPr>
         <p:spPr>
           <a:xfrm>
-            <a:off x="7952330" y="3743096"/>
+            <a:off x="6453230" y="4346473"/>
             <a:ext cx="223364" cy="168065"/>
           </a:xfrm>
           <a:prstGeom prst="ellipse">
@@ -3989,7 +3976,7 @@
         </p:nvSpPr>
         <p:spPr>
           <a:xfrm>
-            <a:off x="7800544" y="3871057"/>
+            <a:off x="6332334" y="4176506"/>
             <a:ext cx="223364" cy="168065"/>
           </a:xfrm>
           <a:prstGeom prst="ellipse">
@@ -4042,10 +4029,7 @@
           <a:noFill/>
           <a:ln w="38100" cmpd="sng">
             <a:solidFill>
-              <a:schemeClr val="accent3">
-                <a:lumMod val="60000"/>
-                <a:lumOff val="40000"/>
-              </a:schemeClr>
+              <a:srgbClr val="008000"/>
             </a:solidFill>
           </a:ln>
         </p:spPr>
@@ -4089,10 +4073,7 @@
           <a:noFill/>
           <a:ln w="38100" cmpd="sng">
             <a:solidFill>
-              <a:schemeClr val="accent3">
-                <a:lumMod val="60000"/>
-                <a:lumOff val="40000"/>
-              </a:schemeClr>
+              <a:srgbClr val="008000"/>
             </a:solidFill>
           </a:ln>
         </p:spPr>
@@ -4136,10 +4117,7 @@
           <a:noFill/>
           <a:ln w="38100" cmpd="sng">
             <a:solidFill>
-              <a:schemeClr val="accent3">
-                <a:lumMod val="60000"/>
-                <a:lumOff val="40000"/>
-              </a:schemeClr>
+              <a:srgbClr val="008000"/>
             </a:solidFill>
           </a:ln>
         </p:spPr>
@@ -4183,10 +4161,7 @@
           <a:noFill/>
           <a:ln w="38100" cmpd="sng">
             <a:solidFill>
-              <a:schemeClr val="accent3">
-                <a:lumMod val="60000"/>
-                <a:lumOff val="40000"/>
-              </a:schemeClr>
+              <a:srgbClr val="008000"/>
             </a:solidFill>
           </a:ln>
         </p:spPr>
@@ -4228,13 +4203,12 @@
             <a:avLst/>
           </a:prstGeom>
           <a:solidFill>
-            <a:schemeClr val="accent5">
-              <a:lumMod val="60000"/>
-              <a:lumOff val="40000"/>
-            </a:schemeClr>
+            <a:srgbClr val="0000FF"/>
           </a:solidFill>
           <a:ln>
-            <a:noFill/>
+            <a:solidFill>
+              <a:srgbClr val="3366FF"/>
+            </a:solidFill>
           </a:ln>
         </p:spPr>
         <p:style>
@@ -4275,13 +4249,12 @@
             <a:avLst/>
           </a:prstGeom>
           <a:solidFill>
-            <a:schemeClr val="accent5">
-              <a:lumMod val="60000"/>
-              <a:lumOff val="40000"/>
-            </a:schemeClr>
+            <a:srgbClr val="0000FF"/>
           </a:solidFill>
           <a:ln>
-            <a:noFill/>
+            <a:solidFill>
+              <a:srgbClr val="3366FF"/>
+            </a:solidFill>
           </a:ln>
         </p:spPr>
         <p:style>
@@ -4322,13 +4295,12 @@
             <a:avLst/>
           </a:prstGeom>
           <a:solidFill>
-            <a:schemeClr val="accent5">
-              <a:lumMod val="60000"/>
-              <a:lumOff val="40000"/>
-            </a:schemeClr>
+            <a:srgbClr val="0000FF"/>
           </a:solidFill>
           <a:ln>
-            <a:noFill/>
+            <a:solidFill>
+              <a:srgbClr val="3366FF"/>
+            </a:solidFill>
           </a:ln>
         </p:spPr>
         <p:style>
@@ -4369,13 +4341,12 @@
             <a:avLst/>
           </a:prstGeom>
           <a:solidFill>
-            <a:schemeClr val="accent5">
-              <a:lumMod val="60000"/>
-              <a:lumOff val="40000"/>
-            </a:schemeClr>
+            <a:srgbClr val="0000FF"/>
           </a:solidFill>
           <a:ln>
-            <a:noFill/>
+            <a:solidFill>
+              <a:srgbClr val="3366FF"/>
+            </a:solidFill>
           </a:ln>
         </p:spPr>
         <p:style>
@@ -4418,10 +4389,7 @@
           <a:noFill/>
           <a:ln w="38100" cmpd="sng">
             <a:solidFill>
-              <a:schemeClr val="accent5">
-                <a:lumMod val="60000"/>
-                <a:lumOff val="40000"/>
-              </a:schemeClr>
+              <a:srgbClr val="3366FF"/>
             </a:solidFill>
           </a:ln>
         </p:spPr>
@@ -4465,10 +4433,7 @@
           <a:noFill/>
           <a:ln w="38100" cmpd="sng">
             <a:solidFill>
-              <a:schemeClr val="accent5">
-                <a:lumMod val="60000"/>
-                <a:lumOff val="40000"/>
-              </a:schemeClr>
+              <a:srgbClr val="3366FF"/>
             </a:solidFill>
           </a:ln>
         </p:spPr>
@@ -4512,10 +4477,7 @@
           <a:noFill/>
           <a:ln w="38100" cmpd="sng">
             <a:solidFill>
-              <a:schemeClr val="accent5">
-                <a:lumMod val="60000"/>
-                <a:lumOff val="40000"/>
-              </a:schemeClr>
+              <a:srgbClr val="3366FF"/>
             </a:solidFill>
           </a:ln>
         </p:spPr>
@@ -4559,10 +4521,367 @@
           <a:noFill/>
           <a:ln w="38100" cmpd="sng">
             <a:solidFill>
-              <a:schemeClr val="accent5">
-                <a:lumMod val="60000"/>
-                <a:lumOff val="40000"/>
-              </a:schemeClr>
+              <a:srgbClr val="3366FF"/>
+            </a:solidFill>
+          </a:ln>
+        </p:spPr>
+        <p:style>
+          <a:lnRef idx="1">
+            <a:schemeClr val="accent1"/>
+          </a:lnRef>
+          <a:fillRef idx="3">
+            <a:schemeClr val="accent1"/>
+          </a:fillRef>
+          <a:effectRef idx="2">
+            <a:schemeClr val="accent1"/>
+          </a:effectRef>
+          <a:fontRef idx="minor">
+            <a:schemeClr val="lt1"/>
+          </a:fontRef>
+        </p:style>
+        <p:txBody>
+          <a:bodyPr rtlCol="0" anchor="ctr"/>
+          <a:lstStyle/>
+          <a:p>
+            <a:pPr algn="ctr"/>
+            <a:endParaRPr lang="en-US"/>
+          </a:p>
+        </p:txBody>
+      </p:sp>
+      <p:sp>
+        <p:nvSpPr>
+          <p:cNvPr id="41" name="Oval 40"/>
+          <p:cNvSpPr/>
+          <p:nvPr/>
+        </p:nvSpPr>
+        <p:spPr>
+          <a:xfrm>
+            <a:off x="1810997" y="5700946"/>
+            <a:ext cx="223364" cy="168065"/>
+          </a:xfrm>
+          <a:prstGeom prst="ellipse">
+            <a:avLst/>
+          </a:prstGeom>
+          <a:solidFill>
+            <a:srgbClr val="FF0000"/>
+          </a:solidFill>
+          <a:ln>
+            <a:solidFill>
+              <a:srgbClr val="800000"/>
+            </a:solidFill>
+          </a:ln>
+        </p:spPr>
+        <p:style>
+          <a:lnRef idx="1">
+            <a:schemeClr val="accent1"/>
+          </a:lnRef>
+          <a:fillRef idx="3">
+            <a:schemeClr val="accent1"/>
+          </a:fillRef>
+          <a:effectRef idx="2">
+            <a:schemeClr val="accent1"/>
+          </a:effectRef>
+          <a:fontRef idx="minor">
+            <a:schemeClr val="lt1"/>
+          </a:fontRef>
+        </p:style>
+        <p:txBody>
+          <a:bodyPr rtlCol="0" anchor="ctr"/>
+          <a:lstStyle/>
+          <a:p>
+            <a:pPr algn="ctr"/>
+            <a:endParaRPr lang="en-US"/>
+          </a:p>
+        </p:txBody>
+      </p:sp>
+      <p:sp>
+        <p:nvSpPr>
+          <p:cNvPr id="42" name="Oval 41"/>
+          <p:cNvSpPr/>
+          <p:nvPr/>
+        </p:nvSpPr>
+        <p:spPr>
+          <a:xfrm>
+            <a:off x="838682" y="5939191"/>
+            <a:ext cx="223364" cy="168065"/>
+          </a:xfrm>
+          <a:prstGeom prst="ellipse">
+            <a:avLst/>
+          </a:prstGeom>
+          <a:solidFill>
+            <a:srgbClr val="FF0000"/>
+          </a:solidFill>
+          <a:ln>
+            <a:solidFill>
+              <a:srgbClr val="800000"/>
+            </a:solidFill>
+          </a:ln>
+        </p:spPr>
+        <p:style>
+          <a:lnRef idx="1">
+            <a:schemeClr val="accent1"/>
+          </a:lnRef>
+          <a:fillRef idx="3">
+            <a:schemeClr val="accent1"/>
+          </a:fillRef>
+          <a:effectRef idx="2">
+            <a:schemeClr val="accent1"/>
+          </a:effectRef>
+          <a:fontRef idx="minor">
+            <a:schemeClr val="lt1"/>
+          </a:fontRef>
+        </p:style>
+        <p:txBody>
+          <a:bodyPr rtlCol="0" anchor="ctr"/>
+          <a:lstStyle/>
+          <a:p>
+            <a:pPr algn="ctr"/>
+            <a:endParaRPr lang="en-US"/>
+          </a:p>
+        </p:txBody>
+      </p:sp>
+      <p:sp>
+        <p:nvSpPr>
+          <p:cNvPr id="43" name="Oval 42"/>
+          <p:cNvSpPr/>
+          <p:nvPr/>
+        </p:nvSpPr>
+        <p:spPr>
+          <a:xfrm>
+            <a:off x="4250" y="5577176"/>
+            <a:ext cx="223364" cy="168065"/>
+          </a:xfrm>
+          <a:prstGeom prst="ellipse">
+            <a:avLst/>
+          </a:prstGeom>
+          <a:solidFill>
+            <a:srgbClr val="FF0000"/>
+          </a:solidFill>
+          <a:ln>
+            <a:solidFill>
+              <a:srgbClr val="800000"/>
+            </a:solidFill>
+          </a:ln>
+        </p:spPr>
+        <p:style>
+          <a:lnRef idx="1">
+            <a:schemeClr val="accent1"/>
+          </a:lnRef>
+          <a:fillRef idx="3">
+            <a:schemeClr val="accent1"/>
+          </a:fillRef>
+          <a:effectRef idx="2">
+            <a:schemeClr val="accent1"/>
+          </a:effectRef>
+          <a:fontRef idx="minor">
+            <a:schemeClr val="lt1"/>
+          </a:fontRef>
+        </p:style>
+        <p:txBody>
+          <a:bodyPr rtlCol="0" anchor="ctr"/>
+          <a:lstStyle/>
+          <a:p>
+            <a:pPr algn="ctr"/>
+            <a:endParaRPr lang="en-US"/>
+          </a:p>
+        </p:txBody>
+      </p:sp>
+      <p:sp>
+        <p:nvSpPr>
+          <p:cNvPr id="44" name="Oval 43"/>
+          <p:cNvSpPr/>
+          <p:nvPr/>
+        </p:nvSpPr>
+        <p:spPr>
+          <a:xfrm>
+            <a:off x="560638" y="5569160"/>
+            <a:ext cx="223364" cy="168065"/>
+          </a:xfrm>
+          <a:prstGeom prst="ellipse">
+            <a:avLst/>
+          </a:prstGeom>
+          <a:solidFill>
+            <a:srgbClr val="FF0000"/>
+          </a:solidFill>
+          <a:ln>
+            <a:solidFill>
+              <a:srgbClr val="800000"/>
+            </a:solidFill>
+          </a:ln>
+        </p:spPr>
+        <p:style>
+          <a:lnRef idx="1">
+            <a:schemeClr val="accent1"/>
+          </a:lnRef>
+          <a:fillRef idx="3">
+            <a:schemeClr val="accent1"/>
+          </a:fillRef>
+          <a:effectRef idx="2">
+            <a:schemeClr val="accent1"/>
+          </a:effectRef>
+          <a:fontRef idx="minor">
+            <a:schemeClr val="lt1"/>
+          </a:fontRef>
+        </p:style>
+        <p:txBody>
+          <a:bodyPr rtlCol="0" anchor="ctr"/>
+          <a:lstStyle/>
+          <a:p>
+            <a:pPr algn="ctr"/>
+            <a:endParaRPr lang="en-US"/>
+          </a:p>
+        </p:txBody>
+      </p:sp>
+      <p:sp>
+        <p:nvSpPr>
+          <p:cNvPr id="45" name="Oval 44"/>
+          <p:cNvSpPr/>
+          <p:nvPr/>
+        </p:nvSpPr>
+        <p:spPr>
+          <a:xfrm>
+            <a:off x="4164108" y="3798396"/>
+            <a:ext cx="223364" cy="168065"/>
+          </a:xfrm>
+          <a:prstGeom prst="ellipse">
+            <a:avLst/>
+          </a:prstGeom>
+          <a:noFill/>
+          <a:ln w="38100" cmpd="sng">
+            <a:solidFill>
+              <a:srgbClr val="FF0000"/>
+            </a:solidFill>
+          </a:ln>
+        </p:spPr>
+        <p:style>
+          <a:lnRef idx="1">
+            <a:schemeClr val="accent1"/>
+          </a:lnRef>
+          <a:fillRef idx="3">
+            <a:schemeClr val="accent1"/>
+          </a:fillRef>
+          <a:effectRef idx="2">
+            <a:schemeClr val="accent1"/>
+          </a:effectRef>
+          <a:fontRef idx="minor">
+            <a:schemeClr val="lt1"/>
+          </a:fontRef>
+        </p:style>
+        <p:txBody>
+          <a:bodyPr rtlCol="0" anchor="ctr"/>
+          <a:lstStyle/>
+          <a:p>
+            <a:pPr algn="ctr"/>
+            <a:endParaRPr lang="en-US"/>
+          </a:p>
+        </p:txBody>
+      </p:sp>
+      <p:sp>
+        <p:nvSpPr>
+          <p:cNvPr id="46" name="Oval 45"/>
+          <p:cNvSpPr/>
+          <p:nvPr/>
+        </p:nvSpPr>
+        <p:spPr>
+          <a:xfrm>
+            <a:off x="3717380" y="3529244"/>
+            <a:ext cx="223364" cy="168065"/>
+          </a:xfrm>
+          <a:prstGeom prst="ellipse">
+            <a:avLst/>
+          </a:prstGeom>
+          <a:noFill/>
+          <a:ln w="38100" cmpd="sng">
+            <a:solidFill>
+              <a:srgbClr val="FF0000"/>
+            </a:solidFill>
+          </a:ln>
+        </p:spPr>
+        <p:style>
+          <a:lnRef idx="1">
+            <a:schemeClr val="accent1"/>
+          </a:lnRef>
+          <a:fillRef idx="3">
+            <a:schemeClr val="accent1"/>
+          </a:fillRef>
+          <a:effectRef idx="2">
+            <a:schemeClr val="accent1"/>
+          </a:effectRef>
+          <a:fontRef idx="minor">
+            <a:schemeClr val="lt1"/>
+          </a:fontRef>
+        </p:style>
+        <p:txBody>
+          <a:bodyPr rtlCol="0" anchor="ctr"/>
+          <a:lstStyle/>
+          <a:p>
+            <a:pPr algn="ctr"/>
+            <a:endParaRPr lang="en-US"/>
+          </a:p>
+        </p:txBody>
+      </p:sp>
+      <p:sp>
+        <p:nvSpPr>
+          <p:cNvPr id="47" name="Oval 46"/>
+          <p:cNvSpPr/>
+          <p:nvPr/>
+        </p:nvSpPr>
+        <p:spPr>
+          <a:xfrm>
+            <a:off x="3939096" y="3592616"/>
+            <a:ext cx="223364" cy="168065"/>
+          </a:xfrm>
+          <a:prstGeom prst="ellipse">
+            <a:avLst/>
+          </a:prstGeom>
+          <a:noFill/>
+          <a:ln w="38100" cmpd="sng">
+            <a:solidFill>
+              <a:srgbClr val="FF0000"/>
+            </a:solidFill>
+          </a:ln>
+        </p:spPr>
+        <p:style>
+          <a:lnRef idx="1">
+            <a:schemeClr val="accent1"/>
+          </a:lnRef>
+          <a:fillRef idx="3">
+            <a:schemeClr val="accent1"/>
+          </a:fillRef>
+          <a:effectRef idx="2">
+            <a:schemeClr val="accent1"/>
+          </a:effectRef>
+          <a:fontRef idx="minor">
+            <a:schemeClr val="lt1"/>
+          </a:fontRef>
+        </p:style>
+        <p:txBody>
+          <a:bodyPr rtlCol="0" anchor="ctr"/>
+          <a:lstStyle/>
+          <a:p>
+            <a:pPr algn="ctr"/>
+            <a:endParaRPr lang="en-US"/>
+          </a:p>
+        </p:txBody>
+      </p:sp>
+      <p:sp>
+        <p:nvSpPr>
+          <p:cNvPr id="48" name="Oval 47"/>
+          <p:cNvSpPr/>
+          <p:nvPr/>
+        </p:nvSpPr>
+        <p:spPr>
+          <a:xfrm>
+            <a:off x="4052426" y="3694088"/>
+            <a:ext cx="223364" cy="168065"/>
+          </a:xfrm>
+          <a:prstGeom prst="ellipse">
+            <a:avLst/>
+          </a:prstGeom>
+          <a:noFill/>
+          <a:ln w="38100" cmpd="sng">
+            <a:solidFill>
+              <a:srgbClr val="FF0000"/>
             </a:solidFill>
           </a:ln>
         </p:spPr>
